--- a/Modules & Packages Slides.pptx
+++ b/Modules & Packages Slides.pptx
@@ -137,126 +137,126 @@
 <file path=ppt/changesInfos/changesInfo1.xml><?xml version="1.0" encoding="utf-8"?>
 <pc:chgInfo xmlns:a="http://schemas.openxmlformats.org/drawingml/2006/main" xmlns:r="http://schemas.openxmlformats.org/officeDocument/2006/relationships" xmlns:ac="http://schemas.microsoft.com/office/drawing/2013/main/command" xmlns:pc="http://schemas.microsoft.com/office/powerpoint/2013/main/command">
   <pc:docChgLst>
-    <pc:chgData name="Chelsea Smalley" userId="8533924d-6706-46d6-86e3-bd61747c045a" providerId="ADAL" clId="{9888CC3F-34A7-4F7D-83F2-18B88EE10CB9}"/>
+    <pc:chgData name="Chelsea Smalley" userId="8533924d-6706-46d6-86e3-bd61747c045a" providerId="ADAL" clId="{F9F86A0C-EA2E-4DE1-85BA-D23D972F0BD4}"/>
     <pc:docChg chg="modSld">
-      <pc:chgData name="Chelsea Smalley" userId="8533924d-6706-46d6-86e3-bd61747c045a" providerId="ADAL" clId="{9888CC3F-34A7-4F7D-83F2-18B88EE10CB9}" dt="2024-05-09T11:43:19.136" v="16" actId="20577"/>
+      <pc:chgData name="Chelsea Smalley" userId="8533924d-6706-46d6-86e3-bd61747c045a" providerId="ADAL" clId="{F9F86A0C-EA2E-4DE1-85BA-D23D972F0BD4}" dt="2024-05-09T13:57:30.334" v="16" actId="20577"/>
       <pc:docMkLst>
         <pc:docMk/>
       </pc:docMkLst>
       <pc:sldChg chg="modNotesTx">
-        <pc:chgData name="Chelsea Smalley" userId="8533924d-6706-46d6-86e3-bd61747c045a" providerId="ADAL" clId="{9888CC3F-34A7-4F7D-83F2-18B88EE10CB9}" dt="2024-05-09T11:42:38.448" v="0" actId="20577"/>
+        <pc:chgData name="Chelsea Smalley" userId="8533924d-6706-46d6-86e3-bd61747c045a" providerId="ADAL" clId="{F9F86A0C-EA2E-4DE1-85BA-D23D972F0BD4}" dt="2024-05-09T13:57:30.334" v="16" actId="20577"/>
         <pc:sldMkLst>
           <pc:docMk/>
           <pc:sldMk cId="1455058458" sldId="286"/>
         </pc:sldMkLst>
       </pc:sldChg>
       <pc:sldChg chg="modNotesTx">
-        <pc:chgData name="Chelsea Smalley" userId="8533924d-6706-46d6-86e3-bd61747c045a" providerId="ADAL" clId="{9888CC3F-34A7-4F7D-83F2-18B88EE10CB9}" dt="2024-05-09T11:42:45.337" v="2" actId="20577"/>
+        <pc:chgData name="Chelsea Smalley" userId="8533924d-6706-46d6-86e3-bd61747c045a" providerId="ADAL" clId="{F9F86A0C-EA2E-4DE1-85BA-D23D972F0BD4}" dt="2024-05-09T13:57:21.841" v="14" actId="20577"/>
         <pc:sldMkLst>
           <pc:docMk/>
           <pc:sldMk cId="4214216161" sldId="322"/>
         </pc:sldMkLst>
       </pc:sldChg>
       <pc:sldChg chg="modNotesTx">
-        <pc:chgData name="Chelsea Smalley" userId="8533924d-6706-46d6-86e3-bd61747c045a" providerId="ADAL" clId="{9888CC3F-34A7-4F7D-83F2-18B88EE10CB9}" dt="2024-05-09T11:43:01.880" v="9" actId="20577"/>
+        <pc:chgData name="Chelsea Smalley" userId="8533924d-6706-46d6-86e3-bd61747c045a" providerId="ADAL" clId="{F9F86A0C-EA2E-4DE1-85BA-D23D972F0BD4}" dt="2024-05-09T13:56:55.472" v="7" actId="20577"/>
         <pc:sldMkLst>
           <pc:docMk/>
           <pc:sldMk cId="2367563500" sldId="323"/>
         </pc:sldMkLst>
       </pc:sldChg>
       <pc:sldChg chg="modNotesTx">
-        <pc:chgData name="Chelsea Smalley" userId="8533924d-6706-46d6-86e3-bd61747c045a" providerId="ADAL" clId="{9888CC3F-34A7-4F7D-83F2-18B88EE10CB9}" dt="2024-05-09T11:42:47.495" v="3" actId="20577"/>
+        <pc:chgData name="Chelsea Smalley" userId="8533924d-6706-46d6-86e3-bd61747c045a" providerId="ADAL" clId="{F9F86A0C-EA2E-4DE1-85BA-D23D972F0BD4}" dt="2024-05-09T13:57:18.798" v="13" actId="20577"/>
         <pc:sldMkLst>
           <pc:docMk/>
           <pc:sldMk cId="1902672151" sldId="324"/>
         </pc:sldMkLst>
       </pc:sldChg>
       <pc:sldChg chg="modNotesTx">
-        <pc:chgData name="Chelsea Smalley" userId="8533924d-6706-46d6-86e3-bd61747c045a" providerId="ADAL" clId="{9888CC3F-34A7-4F7D-83F2-18B88EE10CB9}" dt="2024-05-09T11:42:57.407" v="7" actId="20577"/>
+        <pc:chgData name="Chelsea Smalley" userId="8533924d-6706-46d6-86e3-bd61747c045a" providerId="ADAL" clId="{F9F86A0C-EA2E-4DE1-85BA-D23D972F0BD4}" dt="2024-05-09T13:57:03.830" v="9" actId="20577"/>
         <pc:sldMkLst>
           <pc:docMk/>
           <pc:sldMk cId="676179095" sldId="325"/>
         </pc:sldMkLst>
       </pc:sldChg>
       <pc:sldChg chg="modNotesTx">
-        <pc:chgData name="Chelsea Smalley" userId="8533924d-6706-46d6-86e3-bd61747c045a" providerId="ADAL" clId="{9888CC3F-34A7-4F7D-83F2-18B88EE10CB9}" dt="2024-05-09T11:42:41.392" v="1" actId="20577"/>
+        <pc:chgData name="Chelsea Smalley" userId="8533924d-6706-46d6-86e3-bd61747c045a" providerId="ADAL" clId="{F9F86A0C-EA2E-4DE1-85BA-D23D972F0BD4}" dt="2024-05-09T13:57:26.680" v="15" actId="20577"/>
         <pc:sldMkLst>
           <pc:docMk/>
           <pc:sldMk cId="321755184" sldId="336"/>
         </pc:sldMkLst>
       </pc:sldChg>
       <pc:sldChg chg="modNotesTx">
-        <pc:chgData name="Chelsea Smalley" userId="8533924d-6706-46d6-86e3-bd61747c045a" providerId="ADAL" clId="{9888CC3F-34A7-4F7D-83F2-18B88EE10CB9}" dt="2024-05-09T11:43:19.136" v="16" actId="20577"/>
+        <pc:chgData name="Chelsea Smalley" userId="8533924d-6706-46d6-86e3-bd61747c045a" providerId="ADAL" clId="{F9F86A0C-EA2E-4DE1-85BA-D23D972F0BD4}" dt="2024-05-09T13:56:28.713" v="0" actId="20577"/>
         <pc:sldMkLst>
           <pc:docMk/>
           <pc:sldMk cId="4177940032" sldId="337"/>
         </pc:sldMkLst>
       </pc:sldChg>
       <pc:sldChg chg="modNotesTx">
-        <pc:chgData name="Chelsea Smalley" userId="8533924d-6706-46d6-86e3-bd61747c045a" providerId="ADAL" clId="{9888CC3F-34A7-4F7D-83F2-18B88EE10CB9}" dt="2024-05-09T11:43:04.081" v="10" actId="20577"/>
+        <pc:chgData name="Chelsea Smalley" userId="8533924d-6706-46d6-86e3-bd61747c045a" providerId="ADAL" clId="{F9F86A0C-EA2E-4DE1-85BA-D23D972F0BD4}" dt="2024-05-09T13:56:51.263" v="6" actId="20577"/>
         <pc:sldMkLst>
           <pc:docMk/>
           <pc:sldMk cId="2637216853" sldId="338"/>
         </pc:sldMkLst>
       </pc:sldChg>
       <pc:sldChg chg="modNotesTx">
-        <pc:chgData name="Chelsea Smalley" userId="8533924d-6706-46d6-86e3-bd61747c045a" providerId="ADAL" clId="{9888CC3F-34A7-4F7D-83F2-18B88EE10CB9}" dt="2024-05-09T11:43:11.728" v="13" actId="20577"/>
+        <pc:chgData name="Chelsea Smalley" userId="8533924d-6706-46d6-86e3-bd61747c045a" providerId="ADAL" clId="{F9F86A0C-EA2E-4DE1-85BA-D23D972F0BD4}" dt="2024-05-09T13:56:38.838" v="3" actId="20577"/>
         <pc:sldMkLst>
           <pc:docMk/>
           <pc:sldMk cId="771913096" sldId="339"/>
         </pc:sldMkLst>
       </pc:sldChg>
       <pc:sldChg chg="modNotesTx">
-        <pc:chgData name="Chelsea Smalley" userId="8533924d-6706-46d6-86e3-bd61747c045a" providerId="ADAL" clId="{9888CC3F-34A7-4F7D-83F2-18B88EE10CB9}" dt="2024-05-09T11:43:14.169" v="14" actId="20577"/>
+        <pc:chgData name="Chelsea Smalley" userId="8533924d-6706-46d6-86e3-bd61747c045a" providerId="ADAL" clId="{F9F86A0C-EA2E-4DE1-85BA-D23D972F0BD4}" dt="2024-05-09T13:56:35.410" v="2" actId="20577"/>
         <pc:sldMkLst>
           <pc:docMk/>
           <pc:sldMk cId="2576130663" sldId="340"/>
         </pc:sldMkLst>
       </pc:sldChg>
       <pc:sldChg chg="modNotesTx">
-        <pc:chgData name="Chelsea Smalley" userId="8533924d-6706-46d6-86e3-bd61747c045a" providerId="ADAL" clId="{9888CC3F-34A7-4F7D-83F2-18B88EE10CB9}" dt="2024-05-09T11:43:06.943" v="11" actId="20577"/>
+        <pc:chgData name="Chelsea Smalley" userId="8533924d-6706-46d6-86e3-bd61747c045a" providerId="ADAL" clId="{F9F86A0C-EA2E-4DE1-85BA-D23D972F0BD4}" dt="2024-05-09T13:56:48.072" v="5" actId="20577"/>
         <pc:sldMkLst>
           <pc:docMk/>
           <pc:sldMk cId="2452171939" sldId="343"/>
         </pc:sldMkLst>
       </pc:sldChg>
       <pc:sldChg chg="modNotesTx">
-        <pc:chgData name="Chelsea Smalley" userId="8533924d-6706-46d6-86e3-bd61747c045a" providerId="ADAL" clId="{9888CC3F-34A7-4F7D-83F2-18B88EE10CB9}" dt="2024-05-09T11:42:59.501" v="8" actId="20577"/>
+        <pc:chgData name="Chelsea Smalley" userId="8533924d-6706-46d6-86e3-bd61747c045a" providerId="ADAL" clId="{F9F86A0C-EA2E-4DE1-85BA-D23D972F0BD4}" dt="2024-05-09T13:56:59.719" v="8" actId="20577"/>
         <pc:sldMkLst>
           <pc:docMk/>
           <pc:sldMk cId="1820512586" sldId="344"/>
         </pc:sldMkLst>
       </pc:sldChg>
       <pc:sldChg chg="modNotesTx">
-        <pc:chgData name="Chelsea Smalley" userId="8533924d-6706-46d6-86e3-bd61747c045a" providerId="ADAL" clId="{9888CC3F-34A7-4F7D-83F2-18B88EE10CB9}" dt="2024-05-09T11:42:49.608" v="4" actId="20577"/>
+        <pc:chgData name="Chelsea Smalley" userId="8533924d-6706-46d6-86e3-bd61747c045a" providerId="ADAL" clId="{F9F86A0C-EA2E-4DE1-85BA-D23D972F0BD4}" dt="2024-05-09T13:57:13.520" v="12" actId="20577"/>
         <pc:sldMkLst>
           <pc:docMk/>
           <pc:sldMk cId="4175563433" sldId="346"/>
         </pc:sldMkLst>
       </pc:sldChg>
       <pc:sldChg chg="modNotesTx">
-        <pc:chgData name="Chelsea Smalley" userId="8533924d-6706-46d6-86e3-bd61747c045a" providerId="ADAL" clId="{9888CC3F-34A7-4F7D-83F2-18B88EE10CB9}" dt="2024-05-09T11:42:52.122" v="5" actId="20577"/>
+        <pc:chgData name="Chelsea Smalley" userId="8533924d-6706-46d6-86e3-bd61747c045a" providerId="ADAL" clId="{F9F86A0C-EA2E-4DE1-85BA-D23D972F0BD4}" dt="2024-05-09T13:57:10.319" v="11" actId="20577"/>
         <pc:sldMkLst>
           <pc:docMk/>
           <pc:sldMk cId="791594932" sldId="349"/>
         </pc:sldMkLst>
       </pc:sldChg>
       <pc:sldChg chg="modNotesTx">
-        <pc:chgData name="Chelsea Smalley" userId="8533924d-6706-46d6-86e3-bd61747c045a" providerId="ADAL" clId="{9888CC3F-34A7-4F7D-83F2-18B88EE10CB9}" dt="2024-05-09T11:43:16.662" v="15" actId="20577"/>
+        <pc:chgData name="Chelsea Smalley" userId="8533924d-6706-46d6-86e3-bd61747c045a" providerId="ADAL" clId="{F9F86A0C-EA2E-4DE1-85BA-D23D972F0BD4}" dt="2024-05-09T13:56:32.337" v="1" actId="20577"/>
         <pc:sldMkLst>
           <pc:docMk/>
           <pc:sldMk cId="2243021852" sldId="350"/>
         </pc:sldMkLst>
       </pc:sldChg>
       <pc:sldChg chg="modNotesTx">
-        <pc:chgData name="Chelsea Smalley" userId="8533924d-6706-46d6-86e3-bd61747c045a" providerId="ADAL" clId="{9888CC3F-34A7-4F7D-83F2-18B88EE10CB9}" dt="2024-05-09T11:43:09.338" v="12" actId="20577"/>
+        <pc:chgData name="Chelsea Smalley" userId="8533924d-6706-46d6-86e3-bd61747c045a" providerId="ADAL" clId="{F9F86A0C-EA2E-4DE1-85BA-D23D972F0BD4}" dt="2024-05-09T13:56:42.697" v="4" actId="20577"/>
         <pc:sldMkLst>
           <pc:docMk/>
           <pc:sldMk cId="3518810763" sldId="351"/>
         </pc:sldMkLst>
       </pc:sldChg>
       <pc:sldChg chg="modNotesTx">
-        <pc:chgData name="Chelsea Smalley" userId="8533924d-6706-46d6-86e3-bd61747c045a" providerId="ADAL" clId="{9888CC3F-34A7-4F7D-83F2-18B88EE10CB9}" dt="2024-05-09T11:42:54.507" v="6" actId="20577"/>
+        <pc:chgData name="Chelsea Smalley" userId="8533924d-6706-46d6-86e3-bd61747c045a" providerId="ADAL" clId="{F9F86A0C-EA2E-4DE1-85BA-D23D972F0BD4}" dt="2024-05-09T13:57:06.800" v="10" actId="20577"/>
         <pc:sldMkLst>
           <pc:docMk/>
           <pc:sldMk cId="1346416265" sldId="352"/>
@@ -349,7 +349,7 @@
           <a:p>
             <a:fld id="{0266E57A-62FF-4AAD-96A8-6474BCF4CB01}" type="datetimeFigureOut">
               <a:rPr lang="en-GB" smtClean="0"/>
-              <a:t>06/05/2024</a:t>
+              <a:t>09/05/2024</a:t>
             </a:fld>
             <a:endParaRPr lang="en-GB"/>
           </a:p>
@@ -2414,7 +2414,7 @@
           <a:p>
             <a:fld id="{C2665391-D922-42B2-9C40-EDF0542A455D}" type="datetimeFigureOut">
               <a:rPr lang="en-GB" smtClean="0"/>
-              <a:t>06/05/2024</a:t>
+              <a:t>09/05/2024</a:t>
             </a:fld>
             <a:endParaRPr lang="en-GB"/>
           </a:p>
@@ -2614,7 +2614,7 @@
           <a:p>
             <a:fld id="{C2665391-D922-42B2-9C40-EDF0542A455D}" type="datetimeFigureOut">
               <a:rPr lang="en-GB" smtClean="0"/>
-              <a:t>06/05/2024</a:t>
+              <a:t>09/05/2024</a:t>
             </a:fld>
             <a:endParaRPr lang="en-GB"/>
           </a:p>
@@ -2824,7 +2824,7 @@
           <a:p>
             <a:fld id="{C2665391-D922-42B2-9C40-EDF0542A455D}" type="datetimeFigureOut">
               <a:rPr lang="en-GB" smtClean="0"/>
-              <a:t>06/05/2024</a:t>
+              <a:t>09/05/2024</a:t>
             </a:fld>
             <a:endParaRPr lang="en-GB"/>
           </a:p>
@@ -4154,7 +4154,7 @@
           <a:p>
             <a:fld id="{C2665391-D922-42B2-9C40-EDF0542A455D}" type="datetimeFigureOut">
               <a:rPr lang="en-GB" smtClean="0"/>
-              <a:t>06/05/2024</a:t>
+              <a:t>09/05/2024</a:t>
             </a:fld>
             <a:endParaRPr lang="en-GB"/>
           </a:p>
@@ -4430,7 +4430,7 @@
           <a:p>
             <a:fld id="{C2665391-D922-42B2-9C40-EDF0542A455D}" type="datetimeFigureOut">
               <a:rPr lang="en-GB" smtClean="0"/>
-              <a:t>06/05/2024</a:t>
+              <a:t>09/05/2024</a:t>
             </a:fld>
             <a:endParaRPr lang="en-GB"/>
           </a:p>
@@ -4698,7 +4698,7 @@
           <a:p>
             <a:fld id="{C2665391-D922-42B2-9C40-EDF0542A455D}" type="datetimeFigureOut">
               <a:rPr lang="en-GB" smtClean="0"/>
-              <a:t>06/05/2024</a:t>
+              <a:t>09/05/2024</a:t>
             </a:fld>
             <a:endParaRPr lang="en-GB"/>
           </a:p>
@@ -5113,7 +5113,7 @@
           <a:p>
             <a:fld id="{C2665391-D922-42B2-9C40-EDF0542A455D}" type="datetimeFigureOut">
               <a:rPr lang="en-GB" smtClean="0"/>
-              <a:t>06/05/2024</a:t>
+              <a:t>09/05/2024</a:t>
             </a:fld>
             <a:endParaRPr lang="en-GB"/>
           </a:p>
@@ -5255,7 +5255,7 @@
           <a:p>
             <a:fld id="{C2665391-D922-42B2-9C40-EDF0542A455D}" type="datetimeFigureOut">
               <a:rPr lang="en-GB" smtClean="0"/>
-              <a:t>06/05/2024</a:t>
+              <a:t>09/05/2024</a:t>
             </a:fld>
             <a:endParaRPr lang="en-GB"/>
           </a:p>
@@ -5368,7 +5368,7 @@
           <a:p>
             <a:fld id="{C2665391-D922-42B2-9C40-EDF0542A455D}" type="datetimeFigureOut">
               <a:rPr lang="en-GB" smtClean="0"/>
-              <a:t>06/05/2024</a:t>
+              <a:t>09/05/2024</a:t>
             </a:fld>
             <a:endParaRPr lang="en-GB"/>
           </a:p>
@@ -5681,7 +5681,7 @@
           <a:p>
             <a:fld id="{C2665391-D922-42B2-9C40-EDF0542A455D}" type="datetimeFigureOut">
               <a:rPr lang="en-GB" smtClean="0"/>
-              <a:t>06/05/2024</a:t>
+              <a:t>09/05/2024</a:t>
             </a:fld>
             <a:endParaRPr lang="en-GB"/>
           </a:p>
@@ -5970,7 +5970,7 @@
           <a:p>
             <a:fld id="{C2665391-D922-42B2-9C40-EDF0542A455D}" type="datetimeFigureOut">
               <a:rPr lang="en-GB" smtClean="0"/>
-              <a:t>06/05/2024</a:t>
+              <a:t>09/05/2024</a:t>
             </a:fld>
             <a:endParaRPr lang="en-GB"/>
           </a:p>
@@ -6213,7 +6213,7 @@
           <a:p>
             <a:fld id="{C2665391-D922-42B2-9C40-EDF0542A455D}" type="datetimeFigureOut">
               <a:rPr lang="en-GB" smtClean="0"/>
-              <a:t>06/05/2024</a:t>
+              <a:t>09/05/2024</a:t>
             </a:fld>
             <a:endParaRPr lang="en-GB"/>
           </a:p>
@@ -6723,7 +6723,7 @@
           <a:lstStyle/>
           <a:p>
             <a:r>
-              <a:rPr lang="en-GB" dirty="0"/>
+              <a:rPr lang="en-GB" b="1" dirty="0"/>
               <a:t>Discussion </a:t>
             </a:r>
           </a:p>
@@ -8683,7 +8683,7 @@
               </a:spcAft>
             </a:pPr>
             <a:r>
-              <a:rPr lang="en-GB" sz="2400" dirty="0">
+              <a:rPr lang="en-GB" sz="2000" dirty="0">
                 <a:solidFill>
                   <a:schemeClr val="accent1"/>
                 </a:solidFill>
@@ -8701,7 +8701,7 @@
               </a:spcAft>
             </a:pPr>
             <a:r>
-              <a:rPr lang="en-GB" sz="2400" dirty="0">
+              <a:rPr lang="en-GB" sz="2000" dirty="0">
                 <a:solidFill>
                   <a:schemeClr val="accent1"/>
                 </a:solidFill>
@@ -8719,7 +8719,7 @@
               </a:spcAft>
             </a:pPr>
             <a:r>
-              <a:rPr lang="en-GB" sz="2400" dirty="0">
+              <a:rPr lang="en-GB" sz="2000" dirty="0">
                 <a:solidFill>
                   <a:schemeClr val="accent1"/>
                 </a:solidFill>
@@ -8737,7 +8737,7 @@
               </a:spcAft>
             </a:pPr>
             <a:r>
-              <a:rPr lang="en-GB" sz="2400" dirty="0">
+              <a:rPr lang="en-GB" sz="2000" dirty="0">
                 <a:solidFill>
                   <a:schemeClr val="accent1"/>
                 </a:solidFill>
@@ -8755,13 +8755,18 @@
               </a:spcAft>
             </a:pPr>
             <a:r>
-              <a:rPr lang="en-GB" sz="2400" dirty="0">
+              <a:rPr lang="en-GB" sz="2000" dirty="0">
                 <a:solidFill>
                   <a:schemeClr val="accent1"/>
                 </a:solidFill>
               </a:rPr>
               <a:t>To install packages from requirements.txt file run pip install -r requirements.txt </a:t>
             </a:r>
+            <a:endParaRPr lang="en-GB" sz="2400" dirty="0">
+              <a:solidFill>
+                <a:schemeClr val="accent1"/>
+              </a:solidFill>
+            </a:endParaRPr>
           </a:p>
           <a:p>
             <a:pPr>
@@ -8772,11 +8777,14 @@
                 <a:spcPts val="800"/>
               </a:spcAft>
             </a:pPr>
-            <a:endParaRPr lang="en-GB" sz="2400" dirty="0">
-              <a:solidFill>
-                <a:schemeClr val="accent1"/>
-              </a:solidFill>
-            </a:endParaRPr>
+            <a:r>
+              <a:rPr lang="en-GB" sz="2000" dirty="0">
+                <a:solidFill>
+                  <a:schemeClr val="accent1"/>
+                </a:solidFill>
+              </a:rPr>
+              <a:t>Deactivate the environment by running the deactivate command</a:t>
+            </a:r>
           </a:p>
         </p:txBody>
       </p:sp>
@@ -10047,7 +10055,7 @@
         </p:nvSpPr>
         <p:spPr>
           <a:xfrm>
-            <a:off x="8112975" y="3601503"/>
+            <a:off x="8112975" y="3474282"/>
             <a:ext cx="3450867" cy="923330"/>
           </a:xfrm>
           <a:prstGeom prst="rect">
@@ -10095,7 +10103,7 @@
         </p:nvSpPr>
         <p:spPr>
           <a:xfrm>
-            <a:off x="8112975" y="4795524"/>
+            <a:off x="8112975" y="4556993"/>
             <a:ext cx="3188472" cy="1200329"/>
           </a:xfrm>
           <a:prstGeom prst="rect">
@@ -10125,6 +10133,54 @@
             <a:r>
               <a:rPr lang="en-GB" dirty="0"/>
               <a:t>Activate a virtual environment using the activate script in the virtual environment's directory.</a:t>
+            </a:r>
+          </a:p>
+        </p:txBody>
+      </p:sp>
+      <p:sp>
+        <p:nvSpPr>
+          <p:cNvPr id="3" name="TextBox 2">
+            <a:extLst>
+              <a:ext uri="{FF2B5EF4-FFF2-40B4-BE49-F238E27FC236}">
+                <a16:creationId xmlns:a16="http://schemas.microsoft.com/office/drawing/2014/main" id="{B72D9163-D1C2-9BAC-A2D7-8C7E13F2C30C}"/>
+              </a:ext>
+            </a:extLst>
+          </p:cNvPr>
+          <p:cNvSpPr txBox="1"/>
+          <p:nvPr/>
+        </p:nvSpPr>
+        <p:spPr>
+          <a:xfrm>
+            <a:off x="8112975" y="5838479"/>
+            <a:ext cx="3188472" cy="923330"/>
+          </a:xfrm>
+          <a:prstGeom prst="rect">
+            <a:avLst/>
+          </a:prstGeom>
+        </p:spPr>
+        <p:style>
+          <a:lnRef idx="3">
+            <a:schemeClr val="lt1"/>
+          </a:lnRef>
+          <a:fillRef idx="1">
+            <a:schemeClr val="accent4"/>
+          </a:fillRef>
+          <a:effectRef idx="1">
+            <a:schemeClr val="accent4"/>
+          </a:effectRef>
+          <a:fontRef idx="minor">
+            <a:schemeClr val="lt1"/>
+          </a:fontRef>
+        </p:style>
+        <p:txBody>
+          <a:bodyPr wrap="square" rtlCol="0">
+            <a:spAutoFit/>
+          </a:bodyPr>
+          <a:lstStyle/>
+          <a:p>
+            <a:r>
+              <a:rPr lang="en-GB" dirty="0"/>
+              <a:t>Deactivate the environment using the deactivate command</a:t>
             </a:r>
           </a:p>
         </p:txBody>
